--- a/notes/2_Networks.pptx
+++ b/notes/2_Networks.pptx
@@ -3634,13 +3634,250 @@
           </a:bodyPr>
           <a:lstStyle/>
           <a:p>
+            <a:r>
+              <a:rPr lang="en-US" sz="1100" b="1" i="0" u="none" strike="noStrike" kern="1200" cap="none" dirty="0">
+                <a:solidFill>
+                  <a:schemeClr val="dk1"/>
+                </a:solidFill>
+                <a:effectLst/>
+                <a:latin typeface="Arial"/>
+                <a:ea typeface="Arial"/>
+                <a:cs typeface="Arial"/>
+                <a:sym typeface="Arial"/>
+              </a:rPr>
+              <a:t>Microsoft Azure (October 2025):</a:t>
+            </a:r>
+            <a:r>
+              <a:rPr lang="en-US" sz="1100" b="0" i="0" u="none" strike="noStrike" kern="1200" cap="none" dirty="0">
+                <a:solidFill>
+                  <a:schemeClr val="dk1"/>
+                </a:solidFill>
+                <a:effectLst/>
+                <a:latin typeface="Arial"/>
+                <a:ea typeface="Arial"/>
+                <a:cs typeface="Arial"/>
+                <a:sym typeface="Arial"/>
+              </a:rPr>
+              <a:t> Microsoft mitigated a 15.72 </a:t>
+            </a:r>
+            <a:r>
+              <a:rPr lang="en-US" sz="1100" b="0" i="0" u="none" strike="noStrike" kern="1200" cap="none" dirty="0" err="1">
+                <a:solidFill>
+                  <a:schemeClr val="dk1"/>
+                </a:solidFill>
+                <a:effectLst/>
+                <a:latin typeface="Arial"/>
+                <a:ea typeface="Arial"/>
+                <a:cs typeface="Arial"/>
+                <a:sym typeface="Arial"/>
+              </a:rPr>
+              <a:t>Tbps</a:t>
+            </a:r>
+            <a:r>
+              <a:rPr lang="en-US" sz="1100" b="0" i="0" u="none" strike="noStrike" kern="1200" cap="none" dirty="0">
+                <a:solidFill>
+                  <a:schemeClr val="dk1"/>
+                </a:solidFill>
+                <a:effectLst/>
+                <a:latin typeface="Arial"/>
+                <a:ea typeface="Arial"/>
+                <a:cs typeface="Arial"/>
+                <a:sym typeface="Arial"/>
+              </a:rPr>
+              <a:t> DDoS attack, which it identified as the largest in cloud history, targeting a single endpoint in Australia. The attack, driven by the </a:t>
+            </a:r>
+            <a:r>
+              <a:rPr lang="en-US" sz="1100" b="1" i="0" u="none" strike="noStrike" kern="1200" cap="none" dirty="0" err="1">
+                <a:solidFill>
+                  <a:schemeClr val="dk1"/>
+                </a:solidFill>
+                <a:effectLst/>
+                <a:latin typeface="Arial"/>
+                <a:ea typeface="Arial"/>
+                <a:cs typeface="Arial"/>
+                <a:sym typeface="Arial"/>
+              </a:rPr>
+              <a:t>Aisuru</a:t>
+            </a:r>
+            <a:r>
+              <a:rPr lang="en-US" sz="1100" b="1" i="0" u="none" strike="noStrike" kern="1200" cap="none" dirty="0">
+                <a:solidFill>
+                  <a:schemeClr val="dk1"/>
+                </a:solidFill>
+                <a:effectLst/>
+                <a:latin typeface="Arial"/>
+                <a:ea typeface="Arial"/>
+                <a:cs typeface="Arial"/>
+                <a:sym typeface="Arial"/>
+              </a:rPr>
+              <a:t> botnet</a:t>
+            </a:r>
+            <a:r>
+              <a:rPr lang="en-US" sz="1100" b="0" i="0" u="none" strike="noStrike" kern="1200" cap="none" dirty="0">
+                <a:solidFill>
+                  <a:schemeClr val="dk1"/>
+                </a:solidFill>
+                <a:effectLst/>
+                <a:latin typeface="Arial"/>
+                <a:ea typeface="Arial"/>
+                <a:cs typeface="Arial"/>
+                <a:sym typeface="Arial"/>
+              </a:rPr>
+              <a:t> (a </a:t>
+            </a:r>
+            <a:r>
+              <a:rPr lang="en-US" sz="1100" b="0" i="0" u="none" strike="noStrike" kern="1200" cap="none" dirty="0" err="1">
+                <a:solidFill>
+                  <a:schemeClr val="dk1"/>
+                </a:solidFill>
+                <a:effectLst/>
+                <a:latin typeface="Arial"/>
+                <a:ea typeface="Arial"/>
+                <a:cs typeface="Arial"/>
+                <a:sym typeface="Arial"/>
+              </a:rPr>
+              <a:t>TurboMirai</a:t>
+            </a:r>
+            <a:r>
+              <a:rPr lang="en-US" sz="1100" b="0" i="0" u="none" strike="noStrike" kern="1200" cap="none" dirty="0">
+                <a:solidFill>
+                  <a:schemeClr val="dk1"/>
+                </a:solidFill>
+                <a:effectLst/>
+                <a:latin typeface="Arial"/>
+                <a:ea typeface="Arial"/>
+                <a:cs typeface="Arial"/>
+                <a:sym typeface="Arial"/>
+              </a:rPr>
+              <a:t>-class variant), used over 500,000 compromised IP addresses, mostly from home routers and cameras.</a:t>
+            </a:r>
+          </a:p>
+          <a:p>
+            <a:endParaRPr lang="en-US" sz="1100" b="1" i="0" u="none" strike="noStrike" kern="1200" cap="none" dirty="0">
+              <a:solidFill>
+                <a:schemeClr val="dk1"/>
+              </a:solidFill>
+              <a:effectLst/>
+              <a:latin typeface="Arial"/>
+              <a:ea typeface="Arial"/>
+              <a:cs typeface="Arial"/>
+              <a:sym typeface="Arial"/>
+            </a:endParaRPr>
+          </a:p>
+          <a:p>
+            <a:r>
+              <a:rPr lang="en-US" sz="1100" b="1" i="0" u="none" strike="noStrike" kern="1200" cap="none" dirty="0">
+                <a:solidFill>
+                  <a:schemeClr val="dk1"/>
+                </a:solidFill>
+                <a:effectLst/>
+                <a:latin typeface="Arial"/>
+                <a:ea typeface="Arial"/>
+                <a:cs typeface="Arial"/>
+                <a:sym typeface="Arial"/>
+              </a:rPr>
+              <a:t>Cloudflare Records (Sept-Oct 2025):</a:t>
+            </a:r>
+            <a:r>
+              <a:rPr lang="en-US" sz="1100" b="0" i="0" u="none" strike="noStrike" kern="1200" cap="none" dirty="0">
+                <a:solidFill>
+                  <a:schemeClr val="dk1"/>
+                </a:solidFill>
+                <a:effectLst/>
+                <a:latin typeface="Arial"/>
+                <a:ea typeface="Arial"/>
+                <a:cs typeface="Arial"/>
+                <a:sym typeface="Arial"/>
+              </a:rPr>
+              <a:t> Cloudflare reported a "hyper-volumetric" campaign, blocking a 22.2 </a:t>
+            </a:r>
+            <a:r>
+              <a:rPr lang="en-US" sz="1100" b="0" i="0" u="none" strike="noStrike" kern="1200" cap="none" dirty="0" err="1">
+                <a:solidFill>
+                  <a:schemeClr val="dk1"/>
+                </a:solidFill>
+                <a:effectLst/>
+                <a:latin typeface="Arial"/>
+                <a:ea typeface="Arial"/>
+                <a:cs typeface="Arial"/>
+                <a:sym typeface="Arial"/>
+              </a:rPr>
+              <a:t>Tbps</a:t>
+            </a:r>
+            <a:r>
+              <a:rPr lang="en-US" sz="1100" b="0" i="0" u="none" strike="noStrike" kern="1200" cap="none" dirty="0">
+                <a:solidFill>
+                  <a:schemeClr val="dk1"/>
+                </a:solidFill>
+                <a:effectLst/>
+                <a:latin typeface="Arial"/>
+                <a:ea typeface="Arial"/>
+                <a:cs typeface="Arial"/>
+                <a:sym typeface="Arial"/>
+              </a:rPr>
+              <a:t> attack in September 2025. Shortly after, a new record of 29.7 </a:t>
+            </a:r>
+            <a:r>
+              <a:rPr lang="en-US" sz="1100" b="0" i="0" u="none" strike="noStrike" kern="1200" cap="none" dirty="0" err="1">
+                <a:solidFill>
+                  <a:schemeClr val="dk1"/>
+                </a:solidFill>
+                <a:effectLst/>
+                <a:latin typeface="Arial"/>
+                <a:ea typeface="Arial"/>
+                <a:cs typeface="Arial"/>
+                <a:sym typeface="Arial"/>
+              </a:rPr>
+              <a:t>Tbps</a:t>
+            </a:r>
+            <a:r>
+              <a:rPr lang="en-US" sz="1100" b="0" i="0" u="none" strike="noStrike" kern="1200" cap="none" dirty="0">
+                <a:solidFill>
+                  <a:schemeClr val="dk1"/>
+                </a:solidFill>
+                <a:effectLst/>
+                <a:latin typeface="Arial"/>
+                <a:ea typeface="Arial"/>
+                <a:cs typeface="Arial"/>
+                <a:sym typeface="Arial"/>
+              </a:rPr>
+              <a:t> was set, linked to the same </a:t>
+            </a:r>
+            <a:r>
+              <a:rPr lang="en-US" sz="1100" b="0" i="0" u="none" strike="noStrike" kern="1200" cap="none" dirty="0" err="1">
+                <a:solidFill>
+                  <a:schemeClr val="dk1"/>
+                </a:solidFill>
+                <a:effectLst/>
+                <a:latin typeface="Arial"/>
+                <a:ea typeface="Arial"/>
+                <a:cs typeface="Arial"/>
+                <a:sym typeface="Arial"/>
+              </a:rPr>
+              <a:t>Aisuru</a:t>
+            </a:r>
+            <a:r>
+              <a:rPr lang="en-US" sz="1100" b="0" i="0" u="none" strike="noStrike" kern="1200" cap="none" dirty="0">
+                <a:solidFill>
+                  <a:schemeClr val="dk1"/>
+                </a:solidFill>
+                <a:effectLst/>
+                <a:latin typeface="Arial"/>
+                <a:ea typeface="Arial"/>
+                <a:cs typeface="Arial"/>
+                <a:sym typeface="Arial"/>
+              </a:rPr>
+              <a:t> botnet, which has been described as a "1-4 million host army".</a:t>
+            </a:r>
+          </a:p>
+          <a:p>
             <a:pPr lvl="0">
               <a:spcBef>
                 <a:spcPts val="0"/>
               </a:spcBef>
               <a:buNone/>
             </a:pPr>
-            <a:endParaRPr/>
+            <a:endParaRPr dirty="0"/>
           </a:p>
         </p:txBody>
       </p:sp>
@@ -3741,7 +3978,20 @@
               </a:spcBef>
               <a:buNone/>
             </a:pPr>
-            <a:endParaRPr/>
+            <a:r>
+              <a:rPr lang="en-US" sz="1100" b="0" i="0" u="none" strike="noStrike" kern="1200" cap="none" dirty="0">
+                <a:solidFill>
+                  <a:schemeClr val="dk1"/>
+                </a:solidFill>
+                <a:effectLst/>
+                <a:latin typeface="Arial"/>
+                <a:ea typeface="Arial"/>
+                <a:cs typeface="Arial"/>
+                <a:sym typeface="Arial"/>
+              </a:rPr>
+              <a:t>Cloudflare prevents DDoS attacks by acting as a proxy, absorbing massive traffic volumes across its global network, using autonomous systems to instantly detect &amp; block malicious traffic at the edge (layers 3, 4, &amp; 7), and applying dynamic rules, traffic profiling, &amp; challenges (like Under Attack Mode) to filter out bots while letting legitimate users through, all without hitting your origin server. </a:t>
+            </a:r>
+            <a:endParaRPr dirty="0"/>
           </a:p>
         </p:txBody>
       </p:sp>
@@ -12303,7 +12553,7 @@
               <a:buChar char="•"/>
             </a:pPr>
             <a:r>
-              <a:rPr lang="en-US" sz="2800" b="0" i="0" u="none" strike="noStrike" cap="none">
+              <a:rPr lang="en-US" sz="2800" b="0" i="0" u="none" strike="noStrike" cap="none" dirty="0">
                 <a:solidFill>
                   <a:srgbClr val="2955A6"/>
                 </a:solidFill>
@@ -12331,7 +12581,7 @@
               <a:buChar char="•"/>
             </a:pPr>
             <a:r>
-              <a:rPr lang="en-US" sz="2800" b="0" i="0" u="none" strike="noStrike" cap="none">
+              <a:rPr lang="en-US" sz="2800" b="0" i="0" u="none" strike="noStrike" cap="none" dirty="0">
                 <a:solidFill>
                   <a:srgbClr val="2955A6"/>
                 </a:solidFill>
@@ -12340,7 +12590,55 @@
                 <a:cs typeface="Calibri"/>
                 <a:sym typeface="Calibri"/>
               </a:rPr>
-              <a:t>Configuring the servers add additional RAM and CPUs, or clustering servers and using load balancers, can mitigate the impact of a DoS or DDoS.</a:t>
+              <a:t>Configuring the servers add additional RAM and CPUs, clustering servers and using load balancers,</a:t>
+            </a:r>
+            <a:r>
+              <a:rPr lang="en-US" sz="2800" dirty="0">
+                <a:solidFill>
+                  <a:srgbClr val="2955A6"/>
+                </a:solidFill>
+                <a:latin typeface="Calibri"/>
+                <a:ea typeface="Calibri"/>
+                <a:cs typeface="Calibri"/>
+                <a:sym typeface="Calibri"/>
+              </a:rPr>
+              <a:t> or employing the services of a large web proxy service like </a:t>
+            </a:r>
+            <a:r>
+              <a:rPr lang="en-US" sz="2800" dirty="0" err="1">
+                <a:solidFill>
+                  <a:srgbClr val="2955A6"/>
+                </a:solidFill>
+                <a:latin typeface="Calibri"/>
+                <a:ea typeface="Calibri"/>
+                <a:cs typeface="Calibri"/>
+                <a:sym typeface="Calibri"/>
+              </a:rPr>
+              <a:t>CloudFlare</a:t>
+            </a:r>
+            <a:r>
+              <a:rPr lang="en-US" sz="2800" dirty="0">
+                <a:solidFill>
+                  <a:srgbClr val="2955A6"/>
+                </a:solidFill>
+                <a:latin typeface="Calibri"/>
+                <a:ea typeface="Calibri"/>
+                <a:cs typeface="Calibri"/>
+                <a:sym typeface="Calibri"/>
+              </a:rPr>
+              <a:t>,</a:t>
+            </a:r>
+            <a:r>
+              <a:rPr lang="en-US" sz="2800" b="0" i="0" u="none" strike="noStrike" cap="none" dirty="0">
+                <a:solidFill>
+                  <a:srgbClr val="2955A6"/>
+                </a:solidFill>
+                <a:latin typeface="Calibri"/>
+                <a:ea typeface="Calibri"/>
+                <a:cs typeface="Calibri"/>
+                <a:sym typeface="Calibri"/>
+              </a:rPr>
+              <a:t> can mitigate the impact of a DoS or DDoS.</a:t>
             </a:r>
           </a:p>
           <a:p>
@@ -12355,7 +12653,7 @@
               <a:buFont typeface="Arial"/>
               <a:buNone/>
             </a:pPr>
-            <a:endParaRPr sz="2800" b="0" i="0" u="none" strike="noStrike" cap="none">
+            <a:endParaRPr sz="2800" b="0" i="0" u="none" strike="noStrike" cap="none" dirty="0">
               <a:solidFill>
                 <a:srgbClr val="2955A6"/>
               </a:solidFill>
